--- a/ppt/05-11.pptx
+++ b/ppt/05-11.pptx
@@ -5,9 +5,9 @@
     <p:sldMasterId id="2147483648" r:id="rId1"/>
   </p:sldMasterIdLst>
   <p:sldIdLst>
-    <p:sldId id="270" r:id="rId2"/>
-    <p:sldId id="271" r:id="rId3"/>
-    <p:sldId id="272" r:id="rId4"/>
+    <p:sldId id="276" r:id="rId2"/>
+    <p:sldId id="274" r:id="rId3"/>
+    <p:sldId id="273" r:id="rId4"/>
   </p:sldIdLst>
   <p:sldSz cx="12192000" cy="6858000"/>
   <p:notesSz cx="6858000" cy="9144000"/>
@@ -2950,15 +2950,39 @@
           <a:chExt cx="0" cy="0"/>
         </a:xfrm>
       </p:grpSpPr>
+      <p:sp>
+        <p:nvSpPr>
+          <p:cNvPr id="2" name="TextBox 1"/>
+          <p:cNvSpPr txBox="1"/>
+          <p:nvPr/>
+        </p:nvSpPr>
+        <p:spPr>
+          <a:xfrm>
+            <a:off x="299803" y="217357"/>
+            <a:ext cx="1872629" cy="369332"/>
+          </a:xfrm>
+          <a:prstGeom prst="rect">
+            <a:avLst/>
+          </a:prstGeom>
+          <a:noFill/>
+        </p:spPr>
+        <p:txBody>
+          <a:bodyPr wrap="none" rtlCol="0">
+            <a:spAutoFit/>
+          </a:bodyPr>
+          <a:lstStyle/>
+          <a:p>
+            <a:r>
+              <a:rPr lang="en-US" altLang="ko-KR" dirty="0"/>
+              <a:t>UI-SJN-01-001U</a:t>
+            </a:r>
+            <a:endParaRPr lang="ko-KR" altLang="en-US" dirty="0"/>
+          </a:p>
+        </p:txBody>
+      </p:sp>
       <p:pic>
         <p:nvPicPr>
-          <p:cNvPr id="15" name="그림 14">
-            <a:extLst>
-              <a:ext uri="{FF2B5EF4-FFF2-40B4-BE49-F238E27FC236}">
-                <a16:creationId xmlns:a16="http://schemas.microsoft.com/office/drawing/2014/main" id="{7EB5F15F-C7D0-F67A-976D-A89D4880E1CA}"/>
-              </a:ext>
-            </a:extLst>
-          </p:cNvPr>
+          <p:cNvPr id="4" name="그림 3"/>
           <p:cNvPicPr>
             <a:picLocks noChangeAspect="1"/>
           </p:cNvPicPr>
@@ -2972,23 +2996,51 @@
         </p:blipFill>
         <p:spPr>
           <a:xfrm>
-            <a:off x="6291805" y="250723"/>
-            <a:ext cx="5039991" cy="2090543"/>
+            <a:off x="329649" y="1101777"/>
+            <a:ext cx="3417498" cy="4954592"/>
           </a:xfrm>
           <a:prstGeom prst="rect">
             <a:avLst/>
           </a:prstGeom>
         </p:spPr>
       </p:pic>
+      <p:sp>
+        <p:nvSpPr>
+          <p:cNvPr id="5" name="TextBox 4"/>
+          <p:cNvSpPr txBox="1"/>
+          <p:nvPr/>
+        </p:nvSpPr>
+        <p:spPr>
+          <a:xfrm>
+            <a:off x="3964898" y="2765685"/>
+            <a:ext cx="1620957" cy="369332"/>
+          </a:xfrm>
+          <a:prstGeom prst="rect">
+            <a:avLst/>
+          </a:prstGeom>
+          <a:noFill/>
+        </p:spPr>
+        <p:txBody>
+          <a:bodyPr wrap="none" rtlCol="0">
+            <a:spAutoFit/>
+          </a:bodyPr>
+          <a:lstStyle/>
+          <a:p>
+            <a:r>
+              <a:rPr lang="ko-KR" altLang="en-US" dirty="0" smtClean="0"/>
+              <a:t>추가했습니다</a:t>
+            </a:r>
+            <a:r>
+              <a:rPr lang="en-US" altLang="ko-KR" dirty="0" smtClean="0"/>
+              <a:t>.</a:t>
+            </a:r>
+            <a:endParaRPr lang="ko-KR" altLang="en-US" dirty="0"/>
+          </a:p>
+        </p:txBody>
+      </p:sp>
       <p:pic>
         <p:nvPicPr>
-          <p:cNvPr id="17" name="그림 16">
-            <a:extLst>
-              <a:ext uri="{FF2B5EF4-FFF2-40B4-BE49-F238E27FC236}">
-                <a16:creationId xmlns:a16="http://schemas.microsoft.com/office/drawing/2014/main" id="{5F9B4B86-D2A4-DABA-1A8C-882F436D2794}"/>
-              </a:ext>
-            </a:extLst>
-          </p:cNvPr>
+          <p:cNvPr id="6" name="그림 5"/>
           <p:cNvPicPr>
             <a:picLocks noChangeAspect="1"/>
           </p:cNvPicPr>
@@ -3002,8 +3054,8 @@
         </p:blipFill>
         <p:spPr>
           <a:xfrm>
-            <a:off x="705916" y="0"/>
-            <a:ext cx="4197679" cy="2035874"/>
+            <a:off x="6904866" y="3492259"/>
+            <a:ext cx="4153480" cy="847843"/>
           </a:xfrm>
           <a:prstGeom prst="rect">
             <a:avLst/>
@@ -3012,13 +3064,7 @@
       </p:pic>
       <p:pic>
         <p:nvPicPr>
-          <p:cNvPr id="19" name="그림 18">
-            <a:extLst>
-              <a:ext uri="{FF2B5EF4-FFF2-40B4-BE49-F238E27FC236}">
-                <a16:creationId xmlns:a16="http://schemas.microsoft.com/office/drawing/2014/main" id="{033FF2DB-2DD6-2D40-CBB8-079E98355EF6}"/>
-              </a:ext>
-            </a:extLst>
-          </p:cNvPr>
+          <p:cNvPr id="7" name="그림 6"/>
           <p:cNvPicPr>
             <a:picLocks noChangeAspect="1"/>
           </p:cNvPicPr>
@@ -3032,8 +3078,8 @@
         </p:blipFill>
         <p:spPr>
           <a:xfrm>
-            <a:off x="954099" y="2554148"/>
-            <a:ext cx="3480248" cy="4053129"/>
+            <a:off x="6945004" y="915564"/>
+            <a:ext cx="4058216" cy="1219370"/>
           </a:xfrm>
           <a:prstGeom prst="rect">
             <a:avLst/>
@@ -3042,20 +3088,14 @@
       </p:pic>
       <p:sp>
         <p:nvSpPr>
-          <p:cNvPr id="20" name="TextBox 19">
-            <a:extLst>
-              <a:ext uri="{FF2B5EF4-FFF2-40B4-BE49-F238E27FC236}">
-                <a16:creationId xmlns:a16="http://schemas.microsoft.com/office/drawing/2014/main" id="{B0F84C8D-DC0C-3F5E-E9AD-BB90C7BAC83D}"/>
-              </a:ext>
-            </a:extLst>
-          </p:cNvPr>
+          <p:cNvPr id="8" name="TextBox 7"/>
           <p:cNvSpPr txBox="1"/>
           <p:nvPr/>
         </p:nvSpPr>
         <p:spPr>
           <a:xfrm>
-            <a:off x="2441749" y="2160396"/>
-            <a:ext cx="543739" cy="307777"/>
+            <a:off x="8262078" y="2438399"/>
+            <a:ext cx="1620957" cy="369332"/>
           </a:xfrm>
           <a:prstGeom prst="rect">
             <a:avLst/>
@@ -3069,28 +3109,27 @@
           <a:lstStyle/>
           <a:p>
             <a:r>
-              <a:rPr lang="ko-KR" altLang="en-US" sz="1400" dirty="0"/>
-              <a:t>추가</a:t>
-            </a:r>
-          </a:p>
-        </p:txBody>
-      </p:sp>
-      <p:sp>
-        <p:nvSpPr>
-          <p:cNvPr id="21" name="TextBox 20">
-            <a:extLst>
-              <a:ext uri="{FF2B5EF4-FFF2-40B4-BE49-F238E27FC236}">
-                <a16:creationId xmlns:a16="http://schemas.microsoft.com/office/drawing/2014/main" id="{8D5D3616-AFE1-FFAF-640D-50629D5CB187}"/>
-              </a:ext>
-            </a:extLst>
-          </p:cNvPr>
+              <a:rPr lang="ko-KR" altLang="en-US" dirty="0" smtClean="0"/>
+              <a:t>수정했습니다</a:t>
+            </a:r>
+            <a:r>
+              <a:rPr lang="en-US" altLang="ko-KR" dirty="0" smtClean="0"/>
+              <a:t>.</a:t>
+            </a:r>
+            <a:endParaRPr lang="ko-KR" altLang="en-US" dirty="0"/>
+          </a:p>
+        </p:txBody>
+      </p:sp>
+      <p:sp>
+        <p:nvSpPr>
+          <p:cNvPr id="9" name="TextBox 8"/>
           <p:cNvSpPr txBox="1"/>
           <p:nvPr/>
         </p:nvSpPr>
         <p:spPr>
           <a:xfrm>
-            <a:off x="4533481" y="5960348"/>
-            <a:ext cx="543739" cy="307777"/>
+            <a:off x="7827363" y="4624765"/>
+            <a:ext cx="2558714" cy="369332"/>
           </a:xfrm>
           <a:prstGeom prst="rect">
             <a:avLst/>
@@ -3104,63 +3143,27 @@
           <a:lstStyle/>
           <a:p>
             <a:r>
-              <a:rPr lang="ko-KR" altLang="en-US" sz="1400" dirty="0"/>
-              <a:t>추가</a:t>
-            </a:r>
-          </a:p>
-        </p:txBody>
-      </p:sp>
-      <p:sp>
-        <p:nvSpPr>
-          <p:cNvPr id="22" name="TextBox 21">
-            <a:extLst>
-              <a:ext uri="{FF2B5EF4-FFF2-40B4-BE49-F238E27FC236}">
-                <a16:creationId xmlns:a16="http://schemas.microsoft.com/office/drawing/2014/main" id="{3C177F4B-3D33-BE67-7038-4FCE0254A16D}"/>
-              </a:ext>
-            </a:extLst>
-          </p:cNvPr>
-          <p:cNvSpPr txBox="1"/>
-          <p:nvPr/>
-        </p:nvSpPr>
-        <p:spPr>
-          <a:xfrm>
-            <a:off x="8539930" y="2569035"/>
-            <a:ext cx="543739" cy="307777"/>
-          </a:xfrm>
-          <a:prstGeom prst="rect">
-            <a:avLst/>
-          </a:prstGeom>
-          <a:noFill/>
-        </p:spPr>
-        <p:txBody>
-          <a:bodyPr wrap="none" rtlCol="0">
-            <a:spAutoFit/>
-          </a:bodyPr>
-          <a:lstStyle/>
-          <a:p>
-            <a:r>
-              <a:rPr lang="ko-KR" altLang="en-US" sz="1400" dirty="0"/>
-              <a:t>수정</a:t>
-            </a:r>
-          </a:p>
-        </p:txBody>
-      </p:sp>
-      <p:sp>
-        <p:nvSpPr>
-          <p:cNvPr id="2" name="직사각형 1">
-            <a:extLst>
-              <a:ext uri="{FF2B5EF4-FFF2-40B4-BE49-F238E27FC236}">
-                <a16:creationId xmlns:a16="http://schemas.microsoft.com/office/drawing/2014/main" id="{43E26591-D649-6FF8-5A8C-08863622671F}"/>
-              </a:ext>
-            </a:extLst>
-          </p:cNvPr>
+              <a:rPr lang="ko-KR" altLang="en-US" dirty="0" smtClean="0"/>
+              <a:t>위 경우 글이 겹치네요</a:t>
+            </a:r>
+            <a:r>
+              <a:rPr lang="en-US" altLang="ko-KR" dirty="0" smtClean="0"/>
+              <a:t>.</a:t>
+            </a:r>
+            <a:endParaRPr lang="ko-KR" altLang="en-US" dirty="0"/>
+          </a:p>
+        </p:txBody>
+      </p:sp>
+      <p:sp>
+        <p:nvSpPr>
+          <p:cNvPr id="10" name="직사각형 9"/>
           <p:cNvSpPr/>
           <p:nvPr/>
         </p:nvSpPr>
         <p:spPr>
           <a:xfrm>
-            <a:off x="4316535" y="878673"/>
-            <a:ext cx="854110" cy="1346479"/>
+            <a:off x="1" y="6430781"/>
+            <a:ext cx="12192000" cy="427220"/>
           </a:xfrm>
           <a:prstGeom prst="rect">
             <a:avLst/>
@@ -3187,60 +3190,18 @@
           <a:lstStyle/>
           <a:p>
             <a:pPr algn="ctr"/>
-            <a:endParaRPr lang="ko-KR" altLang="en-US"/>
-          </a:p>
-        </p:txBody>
-      </p:sp>
-      <p:sp>
-        <p:nvSpPr>
-          <p:cNvPr id="9" name="직사각형 8">
-            <a:extLst>
-              <a:ext uri="{FF2B5EF4-FFF2-40B4-BE49-F238E27FC236}">
-                <a16:creationId xmlns:a16="http://schemas.microsoft.com/office/drawing/2014/main" id="{C66FD3D3-B74A-E38F-5EE6-3F91A9E0C2B6}"/>
-              </a:ext>
-            </a:extLst>
-          </p:cNvPr>
-          <p:cNvSpPr/>
-          <p:nvPr/>
-        </p:nvSpPr>
-        <p:spPr>
-          <a:xfrm>
-            <a:off x="4165238" y="3776132"/>
-            <a:ext cx="854110" cy="1346479"/>
-          </a:xfrm>
-          <a:prstGeom prst="rect">
-            <a:avLst/>
-          </a:prstGeom>
-        </p:spPr>
-        <p:style>
-          <a:lnRef idx="2">
-            <a:schemeClr val="accent1">
-              <a:shade val="50000"/>
-            </a:schemeClr>
-          </a:lnRef>
-          <a:fillRef idx="1">
-            <a:schemeClr val="accent1"/>
-          </a:fillRef>
-          <a:effectRef idx="0">
-            <a:schemeClr val="accent1"/>
-          </a:effectRef>
-          <a:fontRef idx="minor">
-            <a:schemeClr val="lt1"/>
-          </a:fontRef>
-        </p:style>
-        <p:txBody>
-          <a:bodyPr rtlCol="0" anchor="ctr"/>
-          <a:lstStyle/>
-          <a:p>
-            <a:pPr algn="ctr"/>
-            <a:endParaRPr lang="ko-KR" altLang="en-US"/>
+            <a:r>
+              <a:rPr lang="ko-KR" altLang="en-US" dirty="0" smtClean="0"/>
+              <a:t>아래에 계속</a:t>
+            </a:r>
+            <a:endParaRPr lang="ko-KR" altLang="en-US" dirty="0"/>
           </a:p>
         </p:txBody>
       </p:sp>
     </p:spTree>
     <p:extLst>
       <p:ext uri="{BB962C8B-B14F-4D97-AF65-F5344CB8AC3E}">
-        <p14:creationId xmlns:p14="http://schemas.microsoft.com/office/powerpoint/2010/main" val="3804559759"/>
+        <p14:creationId xmlns:p14="http://schemas.microsoft.com/office/powerpoint/2010/main" val="1873099677"/>
       </p:ext>
     </p:extLst>
   </p:cSld>
@@ -3269,13 +3230,7 @@
       </p:grpSpPr>
       <p:pic>
         <p:nvPicPr>
-          <p:cNvPr id="3" name="그림 2">
-            <a:extLst>
-              <a:ext uri="{FF2B5EF4-FFF2-40B4-BE49-F238E27FC236}">
-                <a16:creationId xmlns:a16="http://schemas.microsoft.com/office/drawing/2014/main" id="{14514EB9-5A0B-E4DC-AFE8-344FCC15CE0A}"/>
-              </a:ext>
-            </a:extLst>
-          </p:cNvPr>
+          <p:cNvPr id="2" name="그림 1"/>
           <p:cNvPicPr>
             <a:picLocks noChangeAspect="1"/>
           </p:cNvPicPr>
@@ -3289,30 +3244,57 @@
         </p:blipFill>
         <p:spPr>
           <a:xfrm>
-            <a:off x="775520" y="741310"/>
-            <a:ext cx="3410426" cy="752580"/>
+            <a:off x="747060" y="2251585"/>
+            <a:ext cx="3772426" cy="2010056"/>
           </a:xfrm>
           <a:prstGeom prst="rect">
             <a:avLst/>
           </a:prstGeom>
         </p:spPr>
       </p:pic>
-      <p:sp>
-        <p:nvSpPr>
-          <p:cNvPr id="10" name="TextBox 9">
-            <a:extLst>
-              <a:ext uri="{FF2B5EF4-FFF2-40B4-BE49-F238E27FC236}">
-                <a16:creationId xmlns:a16="http://schemas.microsoft.com/office/drawing/2014/main" id="{BF30FF71-A6A5-C36D-7C93-D808D77F72DF}"/>
-              </a:ext>
-            </a:extLst>
-          </p:cNvPr>
+      <p:cxnSp>
+        <p:nvCxnSpPr>
+          <p:cNvPr id="4" name="직선 화살표 연결선 3"/>
+          <p:cNvCxnSpPr/>
+          <p:nvPr/>
+        </p:nvCxnSpPr>
+        <p:spPr>
+          <a:xfrm flipV="1">
+            <a:off x="1573967" y="4212236"/>
+            <a:ext cx="0" cy="607102"/>
+          </a:xfrm>
+          <a:prstGeom prst="straightConnector1">
+            <a:avLst/>
+          </a:prstGeom>
+          <a:ln>
+            <a:tailEnd type="triangle"/>
+          </a:ln>
+        </p:spPr>
+        <p:style>
+          <a:lnRef idx="1">
+            <a:schemeClr val="accent1"/>
+          </a:lnRef>
+          <a:fillRef idx="0">
+            <a:schemeClr val="accent1"/>
+          </a:fillRef>
+          <a:effectRef idx="0">
+            <a:schemeClr val="accent1"/>
+          </a:effectRef>
+          <a:fontRef idx="minor">
+            <a:schemeClr val="tx1"/>
+          </a:fontRef>
+        </p:style>
+      </p:cxnSp>
+      <p:sp>
+        <p:nvSpPr>
+          <p:cNvPr id="5" name="TextBox 4"/>
           <p:cNvSpPr txBox="1"/>
           <p:nvPr/>
         </p:nvSpPr>
         <p:spPr>
           <a:xfrm>
-            <a:off x="1607737" y="1838663"/>
-            <a:ext cx="1745991" cy="307777"/>
+            <a:off x="899410" y="4969239"/>
+            <a:ext cx="2395207" cy="369332"/>
           </a:xfrm>
           <a:prstGeom prst="rect">
             <a:avLst/>
@@ -3326,57 +3308,20 @@
           <a:lstStyle/>
           <a:p>
             <a:r>
-              <a:rPr lang="ko-KR" altLang="en-US" sz="1400"/>
-              <a:t>모바일 스크롤 확인</a:t>
-            </a:r>
-            <a:endParaRPr lang="ko-KR" altLang="en-US" sz="1400" dirty="0"/>
-          </a:p>
-        </p:txBody>
-      </p:sp>
-      <p:sp>
-        <p:nvSpPr>
-          <p:cNvPr id="13" name="TextBox 12">
-            <a:extLst>
-              <a:ext uri="{FF2B5EF4-FFF2-40B4-BE49-F238E27FC236}">
-                <a16:creationId xmlns:a16="http://schemas.microsoft.com/office/drawing/2014/main" id="{2C2F454D-8C4D-AE34-BA37-AA478432D29C}"/>
-              </a:ext>
-            </a:extLst>
-          </p:cNvPr>
-          <p:cNvSpPr txBox="1"/>
-          <p:nvPr/>
-        </p:nvSpPr>
-        <p:spPr>
-          <a:xfrm>
-            <a:off x="7965277" y="4551483"/>
-            <a:ext cx="1745991" cy="307777"/>
-          </a:xfrm>
-          <a:prstGeom prst="rect">
-            <a:avLst/>
-          </a:prstGeom>
-          <a:noFill/>
-        </p:spPr>
-        <p:txBody>
-          <a:bodyPr wrap="none" rtlCol="0">
-            <a:spAutoFit/>
-          </a:bodyPr>
-          <a:lstStyle/>
-          <a:p>
-            <a:r>
-              <a:rPr lang="ko-KR" altLang="en-US" sz="1400" dirty="0"/>
-              <a:t>메인 교통정보 추가</a:t>
-            </a:r>
+              <a:rPr lang="ko-KR" altLang="en-US" dirty="0" smtClean="0"/>
+              <a:t>폰트로 수정했습니다</a:t>
+            </a:r>
+            <a:r>
+              <a:rPr lang="en-US" altLang="ko-KR" dirty="0" smtClean="0"/>
+              <a:t>.</a:t>
+            </a:r>
+            <a:endParaRPr lang="ko-KR" altLang="en-US" dirty="0"/>
           </a:p>
         </p:txBody>
       </p:sp>
       <p:pic>
         <p:nvPicPr>
-          <p:cNvPr id="7" name="그림 6">
-            <a:extLst>
-              <a:ext uri="{FF2B5EF4-FFF2-40B4-BE49-F238E27FC236}">
-                <a16:creationId xmlns:a16="http://schemas.microsoft.com/office/drawing/2014/main" id="{ED383A72-4328-A1E7-9DA6-F5865D2F16BE}"/>
-              </a:ext>
-            </a:extLst>
-          </p:cNvPr>
+          <p:cNvPr id="6" name="그림 5"/>
           <p:cNvPicPr>
             <a:picLocks noChangeAspect="1"/>
           </p:cNvPicPr>
@@ -3390,8 +3335,8 @@
         </p:blipFill>
         <p:spPr>
           <a:xfrm>
-            <a:off x="858477" y="3429000"/>
-            <a:ext cx="3555009" cy="1711179"/>
+            <a:off x="6012642" y="254833"/>
+            <a:ext cx="2858889" cy="6121106"/>
           </a:xfrm>
           <a:prstGeom prst="rect">
             <a:avLst/>
@@ -3400,20 +3345,14 @@
       </p:pic>
       <p:sp>
         <p:nvSpPr>
-          <p:cNvPr id="16" name="TextBox 15">
-            <a:extLst>
-              <a:ext uri="{FF2B5EF4-FFF2-40B4-BE49-F238E27FC236}">
-                <a16:creationId xmlns:a16="http://schemas.microsoft.com/office/drawing/2014/main" id="{A2D1FF47-067E-3EC6-553F-BA988D18DFD5}"/>
-              </a:ext>
-            </a:extLst>
-          </p:cNvPr>
+          <p:cNvPr id="7" name="TextBox 6"/>
           <p:cNvSpPr txBox="1"/>
           <p:nvPr/>
         </p:nvSpPr>
         <p:spPr>
           <a:xfrm>
-            <a:off x="2063548" y="5318463"/>
-            <a:ext cx="1144865" cy="307777"/>
+            <a:off x="9041568" y="2543331"/>
+            <a:ext cx="2324675" cy="1061829"/>
           </a:xfrm>
           <a:prstGeom prst="rect">
             <a:avLst/>
@@ -3426,140 +3365,90 @@
           </a:bodyPr>
           <a:lstStyle/>
           <a:p>
-            <a:r>
-              <a:rPr lang="ko-KR" altLang="en-US" sz="1400"/>
-              <a:t>폰트로 수정</a:t>
-            </a:r>
-            <a:endParaRPr lang="ko-KR" altLang="en-US" sz="1400" dirty="0"/>
-          </a:p>
-        </p:txBody>
-      </p:sp>
-      <p:pic>
-        <p:nvPicPr>
-          <p:cNvPr id="4" name="그림 3">
-            <a:extLst>
-              <a:ext uri="{FF2B5EF4-FFF2-40B4-BE49-F238E27FC236}">
-                <a16:creationId xmlns:a16="http://schemas.microsoft.com/office/drawing/2014/main" id="{0A398BD3-11FE-D18E-C6DA-80A90BB15324}"/>
-              </a:ext>
-            </a:extLst>
-          </p:cNvPr>
-          <p:cNvPicPr>
-            <a:picLocks noChangeAspect="1"/>
-          </p:cNvPicPr>
-          <p:nvPr/>
-        </p:nvPicPr>
-        <p:blipFill>
-          <a:blip r:embed="rId4"/>
-          <a:stretch>
-            <a:fillRect/>
-          </a:stretch>
-        </p:blipFill>
-        <p:spPr>
-          <a:xfrm>
-            <a:off x="7114008" y="426426"/>
-            <a:ext cx="3448531" cy="3858163"/>
-          </a:xfrm>
-          <a:prstGeom prst="rect">
-            <a:avLst/>
-          </a:prstGeom>
-        </p:spPr>
-      </p:pic>
-      <p:sp>
-        <p:nvSpPr>
-          <p:cNvPr id="11" name="직사각형 10">
-            <a:extLst>
-              <a:ext uri="{FF2B5EF4-FFF2-40B4-BE49-F238E27FC236}">
-                <a16:creationId xmlns:a16="http://schemas.microsoft.com/office/drawing/2014/main" id="{F110BC74-2E41-5C50-104C-59AB4B4F384E}"/>
-              </a:ext>
-            </a:extLst>
-          </p:cNvPr>
-          <p:cNvSpPr/>
-          <p:nvPr/>
-        </p:nvSpPr>
-        <p:spPr>
-          <a:xfrm>
-            <a:off x="10135484" y="2629692"/>
-            <a:ext cx="854110" cy="1346479"/>
-          </a:xfrm>
-          <a:prstGeom prst="rect">
-            <a:avLst/>
-          </a:prstGeom>
-        </p:spPr>
-        <p:style>
-          <a:lnRef idx="2">
-            <a:schemeClr val="accent1">
-              <a:shade val="50000"/>
-            </a:schemeClr>
-          </a:lnRef>
-          <a:fillRef idx="1">
-            <a:schemeClr val="accent1"/>
-          </a:fillRef>
-          <a:effectRef idx="0">
-            <a:schemeClr val="accent1"/>
-          </a:effectRef>
-          <a:fontRef idx="minor">
-            <a:schemeClr val="lt1"/>
-          </a:fontRef>
-        </p:style>
-        <p:txBody>
-          <a:bodyPr rtlCol="0" anchor="ctr"/>
-          <a:lstStyle/>
-          <a:p>
-            <a:pPr algn="ctr"/>
-            <a:endParaRPr lang="ko-KR" altLang="en-US"/>
-          </a:p>
-        </p:txBody>
-      </p:sp>
-      <p:sp>
-        <p:nvSpPr>
-          <p:cNvPr id="12" name="직사각형 11">
-            <a:extLst>
-              <a:ext uri="{FF2B5EF4-FFF2-40B4-BE49-F238E27FC236}">
-                <a16:creationId xmlns:a16="http://schemas.microsoft.com/office/drawing/2014/main" id="{1FC90106-55FF-72E5-C928-6AFEB6B0B80D}"/>
-              </a:ext>
-            </a:extLst>
-          </p:cNvPr>
-          <p:cNvSpPr/>
-          <p:nvPr/>
-        </p:nvSpPr>
-        <p:spPr>
-          <a:xfrm>
-            <a:off x="3559376" y="4033484"/>
-            <a:ext cx="854110" cy="1346479"/>
-          </a:xfrm>
-          <a:prstGeom prst="rect">
-            <a:avLst/>
-          </a:prstGeom>
-        </p:spPr>
-        <p:style>
-          <a:lnRef idx="2">
-            <a:schemeClr val="accent1">
-              <a:shade val="50000"/>
-            </a:schemeClr>
-          </a:lnRef>
-          <a:fillRef idx="1">
-            <a:schemeClr val="accent1"/>
-          </a:fillRef>
-          <a:effectRef idx="0">
-            <a:schemeClr val="accent1"/>
-          </a:effectRef>
-          <a:fontRef idx="minor">
-            <a:schemeClr val="lt1"/>
-          </a:fontRef>
-        </p:style>
-        <p:txBody>
-          <a:bodyPr rtlCol="0" anchor="ctr"/>
-          <a:lstStyle/>
-          <a:p>
-            <a:pPr algn="ctr"/>
-            <a:endParaRPr lang="ko-KR" altLang="en-US"/>
+            <a:pPr>
+              <a:lnSpc>
+                <a:spcPct val="150000"/>
+              </a:lnSpc>
+            </a:pPr>
+            <a:r>
+              <a:rPr lang="ko-KR" altLang="en-US" sz="1400" dirty="0" smtClean="0">
+                <a:solidFill>
+                  <a:srgbClr val="FF0000"/>
+                </a:solidFill>
+              </a:rPr>
+              <a:t>교통정보를 분리</a:t>
+            </a:r>
+            <a:endParaRPr lang="en-US" altLang="ko-KR" sz="1400" dirty="0" smtClean="0">
+              <a:solidFill>
+                <a:srgbClr val="FF0000"/>
+              </a:solidFill>
+            </a:endParaRPr>
+          </a:p>
+          <a:p>
+            <a:pPr>
+              <a:lnSpc>
+                <a:spcPct val="150000"/>
+              </a:lnSpc>
+            </a:pPr>
+            <a:r>
+              <a:rPr lang="ko-KR" altLang="en-US" sz="1400" dirty="0" smtClean="0">
+                <a:solidFill>
+                  <a:srgbClr val="FF0000"/>
+                </a:solidFill>
+              </a:rPr>
+              <a:t>하자는 의견이 나왔습니다</a:t>
+            </a:r>
+            <a:r>
+              <a:rPr lang="en-US" altLang="ko-KR" sz="1400" dirty="0" smtClean="0">
+                <a:solidFill>
+                  <a:srgbClr val="FF0000"/>
+                </a:solidFill>
+              </a:rPr>
+              <a:t>.</a:t>
+            </a:r>
+          </a:p>
+          <a:p>
+            <a:pPr>
+              <a:lnSpc>
+                <a:spcPct val="150000"/>
+              </a:lnSpc>
+            </a:pPr>
+            <a:r>
+              <a:rPr lang="ko-KR" altLang="en-US" sz="1400" dirty="0" smtClean="0">
+                <a:solidFill>
+                  <a:srgbClr val="FF0000"/>
+                </a:solidFill>
+              </a:rPr>
+              <a:t>내일 </a:t>
+            </a:r>
+            <a:r>
+              <a:rPr lang="ko-KR" altLang="en-US" sz="1400" dirty="0" err="1" smtClean="0">
+                <a:solidFill>
+                  <a:srgbClr val="FF0000"/>
+                </a:solidFill>
+              </a:rPr>
+              <a:t>마무리해드릴꼐요</a:t>
+            </a:r>
+            <a:r>
+              <a:rPr lang="en-US" altLang="ko-KR" sz="1400" dirty="0" smtClean="0">
+                <a:solidFill>
+                  <a:srgbClr val="FF0000"/>
+                </a:solidFill>
+              </a:rPr>
+              <a:t>.</a:t>
+            </a:r>
+            <a:endParaRPr lang="ko-KR" altLang="en-US" sz="1400" dirty="0">
+              <a:solidFill>
+                <a:srgbClr val="FF0000"/>
+              </a:solidFill>
+            </a:endParaRPr>
           </a:p>
         </p:txBody>
       </p:sp>
     </p:spTree>
     <p:extLst>
       <p:ext uri="{BB962C8B-B14F-4D97-AF65-F5344CB8AC3E}">
-        <p14:creationId xmlns:p14="http://schemas.microsoft.com/office/powerpoint/2010/main" val="54804845"/>
+        <p14:creationId xmlns:p14="http://schemas.microsoft.com/office/powerpoint/2010/main" val="3091683981"/>
       </p:ext>
     </p:extLst>
   </p:cSld>
@@ -3588,13 +3477,7 @@
       </p:grpSpPr>
       <p:pic>
         <p:nvPicPr>
-          <p:cNvPr id="14" name="그림 13">
-            <a:extLst>
-              <a:ext uri="{FF2B5EF4-FFF2-40B4-BE49-F238E27FC236}">
-                <a16:creationId xmlns:a16="http://schemas.microsoft.com/office/drawing/2014/main" id="{04218BDF-C5E0-1131-A0FF-0BB40CAB292F}"/>
-              </a:ext>
-            </a:extLst>
-          </p:cNvPr>
+          <p:cNvPr id="2" name="그림 1"/>
           <p:cNvPicPr>
             <a:picLocks noChangeAspect="1"/>
           </p:cNvPicPr>
@@ -3608,99 +3491,24 @@
         </p:blipFill>
         <p:spPr>
           <a:xfrm>
-            <a:off x="1524000" y="491883"/>
-            <a:ext cx="3889316" cy="1613253"/>
+            <a:off x="912581" y="789896"/>
+            <a:ext cx="3696216" cy="781159"/>
           </a:xfrm>
           <a:prstGeom prst="rect">
             <a:avLst/>
           </a:prstGeom>
         </p:spPr>
       </p:pic>
-      <p:cxnSp>
-        <p:nvCxnSpPr>
-          <p:cNvPr id="5" name="직선 화살표 연결선 4">
-            <a:extLst>
-              <a:ext uri="{FF2B5EF4-FFF2-40B4-BE49-F238E27FC236}">
-                <a16:creationId xmlns:a16="http://schemas.microsoft.com/office/drawing/2014/main" id="{B1AA4F48-5912-6262-55E4-3E7B3A0CFAB5}"/>
-              </a:ext>
-            </a:extLst>
-          </p:cNvPr>
-          <p:cNvCxnSpPr/>
-          <p:nvPr/>
-        </p:nvCxnSpPr>
-        <p:spPr>
-          <a:xfrm flipH="1">
-            <a:off x="5058229" y="1306006"/>
-            <a:ext cx="1467059" cy="0"/>
-          </a:xfrm>
-          <a:prstGeom prst="straightConnector1">
-            <a:avLst/>
-          </a:prstGeom>
-          <a:ln>
-            <a:tailEnd type="triangle"/>
-          </a:ln>
-        </p:spPr>
-        <p:style>
-          <a:lnRef idx="1">
-            <a:schemeClr val="accent1"/>
-          </a:lnRef>
-          <a:fillRef idx="0">
-            <a:schemeClr val="accent1"/>
-          </a:fillRef>
-          <a:effectRef idx="0">
-            <a:schemeClr val="accent1"/>
-          </a:effectRef>
-          <a:fontRef idx="minor">
-            <a:schemeClr val="tx1"/>
-          </a:fontRef>
-        </p:style>
-      </p:cxnSp>
-      <p:pic>
-        <p:nvPicPr>
-          <p:cNvPr id="8" name="그림 7">
-            <a:extLst>
-              <a:ext uri="{FF2B5EF4-FFF2-40B4-BE49-F238E27FC236}">
-                <a16:creationId xmlns:a16="http://schemas.microsoft.com/office/drawing/2014/main" id="{1DA4196B-4656-B9C6-2E24-125549666CC0}"/>
-              </a:ext>
-            </a:extLst>
-          </p:cNvPr>
-          <p:cNvPicPr>
-            <a:picLocks noChangeAspect="1"/>
-          </p:cNvPicPr>
-          <p:nvPr/>
-        </p:nvPicPr>
-        <p:blipFill>
-          <a:blip r:embed="rId3"/>
-          <a:stretch>
-            <a:fillRect/>
-          </a:stretch>
-        </p:blipFill>
-        <p:spPr>
-          <a:xfrm>
-            <a:off x="6778686" y="877321"/>
-            <a:ext cx="943107" cy="857370"/>
-          </a:xfrm>
-          <a:prstGeom prst="rect">
-            <a:avLst/>
-          </a:prstGeom>
-        </p:spPr>
-      </p:pic>
-      <p:sp>
-        <p:nvSpPr>
-          <p:cNvPr id="9" name="TextBox 8">
-            <a:extLst>
-              <a:ext uri="{FF2B5EF4-FFF2-40B4-BE49-F238E27FC236}">
-                <a16:creationId xmlns:a16="http://schemas.microsoft.com/office/drawing/2014/main" id="{1AD7EB1A-D89F-5309-3B71-3EAB3246AE99}"/>
-              </a:ext>
-            </a:extLst>
-          </p:cNvPr>
+      <p:sp>
+        <p:nvSpPr>
+          <p:cNvPr id="10" name="TextBox 9"/>
           <p:cNvSpPr txBox="1"/>
           <p:nvPr/>
         </p:nvSpPr>
         <p:spPr>
           <a:xfrm>
-            <a:off x="6778686" y="1920470"/>
-            <a:ext cx="1963999" cy="369332"/>
+            <a:off x="864432" y="1746653"/>
+            <a:ext cx="4549643" cy="369332"/>
           </a:xfrm>
           <a:prstGeom prst="rect">
             <a:avLst/>
@@ -3714,58 +3522,35 @@
           <a:lstStyle/>
           <a:p>
             <a:r>
-              <a:rPr lang="ko-KR" altLang="en-US" dirty="0"/>
-              <a:t>아이콘 수정 요청</a:t>
-            </a:r>
-          </a:p>
-        </p:txBody>
-      </p:sp>
-      <p:pic>
-        <p:nvPicPr>
-          <p:cNvPr id="17" name="그림 16">
-            <a:extLst>
-              <a:ext uri="{FF2B5EF4-FFF2-40B4-BE49-F238E27FC236}">
-                <a16:creationId xmlns:a16="http://schemas.microsoft.com/office/drawing/2014/main" id="{EF446EBF-F3F9-C02A-05C1-777B2EF868AA}"/>
-              </a:ext>
-            </a:extLst>
-          </p:cNvPr>
-          <p:cNvPicPr>
-            <a:picLocks noChangeAspect="1"/>
-          </p:cNvPicPr>
-          <p:nvPr/>
-        </p:nvPicPr>
-        <p:blipFill>
-          <a:blip r:embed="rId4"/>
-          <a:stretch>
-            <a:fillRect/>
-          </a:stretch>
-        </p:blipFill>
-        <p:spPr>
-          <a:xfrm>
-            <a:off x="1802631" y="2552184"/>
-            <a:ext cx="2183255" cy="3985499"/>
-          </a:xfrm>
-          <a:prstGeom prst="rect">
-            <a:avLst/>
-          </a:prstGeom>
-        </p:spPr>
-      </p:pic>
-      <p:sp>
-        <p:nvSpPr>
-          <p:cNvPr id="18" name="TextBox 17">
-            <a:extLst>
-              <a:ext uri="{FF2B5EF4-FFF2-40B4-BE49-F238E27FC236}">
-                <a16:creationId xmlns:a16="http://schemas.microsoft.com/office/drawing/2014/main" id="{8E72284C-5896-D8EA-1912-7D7EAB381097}"/>
-              </a:ext>
-            </a:extLst>
-          </p:cNvPr>
+              <a:rPr lang="ko-KR" altLang="en-US" dirty="0" smtClean="0"/>
+              <a:t>모바일 스크롤 </a:t>
+            </a:r>
+            <a:r>
+              <a:rPr lang="en-US" altLang="ko-KR" dirty="0" smtClean="0"/>
+              <a:t>PC</a:t>
+            </a:r>
+            <a:r>
+              <a:rPr lang="ko-KR" altLang="en-US" dirty="0" smtClean="0"/>
+              <a:t>에만 나오게 하고싶다면</a:t>
+            </a:r>
+            <a:r>
+              <a:rPr lang="en-US" altLang="ko-KR" dirty="0" smtClean="0"/>
+              <a:t>!</a:t>
+            </a:r>
+            <a:endParaRPr lang="ko-KR" altLang="en-US" dirty="0"/>
+          </a:p>
+        </p:txBody>
+      </p:sp>
+      <p:sp>
+        <p:nvSpPr>
+          <p:cNvPr id="11" name="TextBox 10"/>
           <p:cNvSpPr txBox="1"/>
           <p:nvPr/>
         </p:nvSpPr>
         <p:spPr>
           <a:xfrm>
-            <a:off x="4660427" y="3808536"/>
-            <a:ext cx="5179623" cy="869790"/>
+            <a:off x="916897" y="2451144"/>
+            <a:ext cx="7242817" cy="1169551"/>
           </a:xfrm>
           <a:prstGeom prst="rect">
             <a:avLst/>
@@ -3778,93 +3563,103 @@
           </a:bodyPr>
           <a:lstStyle/>
           <a:p>
-            <a:pPr>
-              <a:lnSpc>
-                <a:spcPct val="150000"/>
-              </a:lnSpc>
-            </a:pPr>
-            <a:r>
-              <a:rPr lang="ko-KR" altLang="en-US" dirty="0"/>
-              <a:t>내용이 길어서 카드 분리한다고 하는데요</a:t>
-            </a:r>
-            <a:r>
-              <a:rPr lang="en-US" altLang="ko-KR" dirty="0"/>
-              <a:t>.</a:t>
-            </a:r>
-          </a:p>
-          <a:p>
-            <a:pPr>
-              <a:lnSpc>
-                <a:spcPct val="150000"/>
-              </a:lnSpc>
-            </a:pPr>
-            <a:r>
-              <a:rPr lang="ko-KR" altLang="en-US" dirty="0"/>
-              <a:t>도이사님하고 통화 후에 </a:t>
-            </a:r>
-            <a:r>
-              <a:rPr lang="ko-KR" altLang="en-US" dirty="0" err="1"/>
-              <a:t>작업하는게</a:t>
-            </a:r>
-            <a:r>
-              <a:rPr lang="ko-KR" altLang="en-US" dirty="0"/>
-              <a:t> </a:t>
-            </a:r>
-            <a:r>
-              <a:rPr lang="ko-KR" altLang="en-US" dirty="0" err="1"/>
-              <a:t>나아보여요</a:t>
-            </a:r>
-            <a:r>
-              <a:rPr lang="en-US" altLang="ko-KR" dirty="0"/>
-              <a:t>.</a:t>
-            </a:r>
-            <a:endParaRPr lang="ko-KR" altLang="en-US" dirty="0"/>
-          </a:p>
-        </p:txBody>
-      </p:sp>
-      <p:cxnSp>
-        <p:nvCxnSpPr>
-          <p:cNvPr id="20" name="직선 화살표 연결선 19">
-            <a:extLst>
-              <a:ext uri="{FF2B5EF4-FFF2-40B4-BE49-F238E27FC236}">
-                <a16:creationId xmlns:a16="http://schemas.microsoft.com/office/drawing/2014/main" id="{6A4A3B4B-5DD5-E5A4-9F1C-1A2AF1CB64BF}"/>
-              </a:ext>
-            </a:extLst>
-          </p:cNvPr>
-          <p:cNvCxnSpPr/>
+            <a:r>
+              <a:rPr lang="en-US" altLang="ko-KR" sz="1400" dirty="0"/>
+              <a:t>@media (pointer:fine) {</a:t>
+            </a:r>
+          </a:p>
+          <a:p>
+            <a:r>
+              <a:rPr lang="en-US" altLang="ko-KR" sz="1400" dirty="0"/>
+              <a:t>  </a:t>
+            </a:r>
+            <a:r>
+              <a:rPr lang="en-US" altLang="ko-KR" sz="1400" dirty="0" smtClean="0"/>
+              <a:t>.overflowX</a:t>
+            </a:r>
+            <a:r>
+              <a:rPr lang="en-US" altLang="ko-KR" sz="1400" dirty="0"/>
+              <a:t>::-webkit-scrollbar { height: 6px;}</a:t>
+            </a:r>
+          </a:p>
+          <a:p>
+            <a:r>
+              <a:rPr lang="en-US" altLang="ko-KR" sz="1400" dirty="0"/>
+              <a:t>  </a:t>
+            </a:r>
+            <a:r>
+              <a:rPr lang="en-US" altLang="ko-KR" sz="1400" dirty="0" smtClean="0"/>
+              <a:t>.overflowX</a:t>
+            </a:r>
+            <a:r>
+              <a:rPr lang="en-US" altLang="ko-KR" sz="1400" dirty="0"/>
+              <a:t>::-webkit-scrollbar-track { background-color: #F4F5F7; border-radius: 10px;}</a:t>
+            </a:r>
+          </a:p>
+          <a:p>
+            <a:r>
+              <a:rPr lang="en-US" altLang="ko-KR" sz="1400" dirty="0"/>
+              <a:t>  </a:t>
+            </a:r>
+            <a:r>
+              <a:rPr lang="en-US" altLang="ko-KR" sz="1400" dirty="0" smtClean="0"/>
+              <a:t>.overflowX</a:t>
+            </a:r>
+            <a:r>
+              <a:rPr lang="en-US" altLang="ko-KR" sz="1400" dirty="0"/>
+              <a:t>::-webkit-scrollbar-thumb { background-color: #ddd; border-radius: 10px;}</a:t>
+            </a:r>
+          </a:p>
+          <a:p>
+            <a:r>
+              <a:rPr lang="en-US" altLang="ko-KR" sz="1400" dirty="0"/>
+              <a:t>}</a:t>
+            </a:r>
+          </a:p>
+        </p:txBody>
+      </p:sp>
+      <p:sp>
+        <p:nvSpPr>
+          <p:cNvPr id="12" name="TextBox 11"/>
+          <p:cNvSpPr txBox="1"/>
           <p:nvPr/>
-        </p:nvCxnSpPr>
-        <p:spPr>
-          <a:xfrm flipH="1">
-            <a:off x="4182533" y="4004733"/>
-            <a:ext cx="397934" cy="0"/>
-          </a:xfrm>
-          <a:prstGeom prst="straightConnector1">
+        </p:nvSpPr>
+        <p:spPr>
+          <a:xfrm>
+            <a:off x="864432" y="3789040"/>
+            <a:ext cx="2626040" cy="369332"/>
+          </a:xfrm>
+          <a:prstGeom prst="rect">
             <a:avLst/>
           </a:prstGeom>
-          <a:ln>
-            <a:tailEnd type="triangle"/>
-          </a:ln>
-        </p:spPr>
-        <p:style>
-          <a:lnRef idx="1">
-            <a:schemeClr val="accent1"/>
-          </a:lnRef>
-          <a:fillRef idx="0">
-            <a:schemeClr val="accent1"/>
-          </a:fillRef>
-          <a:effectRef idx="0">
-            <a:schemeClr val="accent1"/>
-          </a:effectRef>
-          <a:fontRef idx="minor">
-            <a:schemeClr val="tx1"/>
-          </a:fontRef>
-        </p:style>
-      </p:cxnSp>
+          <a:noFill/>
+        </p:spPr>
+        <p:txBody>
+          <a:bodyPr wrap="none" rtlCol="0">
+            <a:spAutoFit/>
+          </a:bodyPr>
+          <a:lstStyle/>
+          <a:p>
+            <a:r>
+              <a:rPr lang="ko-KR" altLang="en-US" dirty="0" err="1" smtClean="0"/>
+              <a:t>이런식으로</a:t>
+            </a:r>
+            <a:r>
+              <a:rPr lang="ko-KR" altLang="en-US" dirty="0" smtClean="0"/>
+              <a:t> 넣어주세요</a:t>
+            </a:r>
+            <a:r>
+              <a:rPr lang="en-US" altLang="ko-KR" dirty="0" smtClean="0"/>
+              <a:t>.</a:t>
+            </a:r>
+            <a:endParaRPr lang="ko-KR" altLang="en-US" dirty="0"/>
+          </a:p>
+        </p:txBody>
+      </p:sp>
     </p:spTree>
     <p:extLst>
       <p:ext uri="{BB962C8B-B14F-4D97-AF65-F5344CB8AC3E}">
-        <p14:creationId xmlns:p14="http://schemas.microsoft.com/office/powerpoint/2010/main" val="3527536163"/>
+        <p14:creationId xmlns:p14="http://schemas.microsoft.com/office/powerpoint/2010/main" val="3004602111"/>
       </p:ext>
     </p:extLst>
   </p:cSld>

--- a/ppt/05-11.pptx
+++ b/ppt/05-11.pptx
@@ -3427,7 +3427,7 @@
                   <a:srgbClr val="FF0000"/>
                 </a:solidFill>
               </a:rPr>
-              <a:t>마무리해드릴꼐요</a:t>
+              <a:t>마무리해드릴께요</a:t>
             </a:r>
             <a:r>
               <a:rPr lang="en-US" altLang="ko-KR" sz="1400" dirty="0" smtClean="0">

--- a/ppt/05-11.pptx
+++ b/ppt/05-11.pptx
@@ -8,6 +8,7 @@
     <p:sldId id="276" r:id="rId2"/>
     <p:sldId id="274" r:id="rId3"/>
     <p:sldId id="273" r:id="rId4"/>
+    <p:sldId id="277" r:id="rId5"/>
   </p:sldIdLst>
   <p:sldSz cx="12192000" cy="6858000"/>
   <p:notesSz cx="6858000" cy="9144000"/>
@@ -3669,6 +3670,309 @@
 </p:sld>
 </file>
 
+<file path=ppt/slides/slide4.xml><?xml version="1.0" encoding="utf-8"?>
+<p:sld xmlns:a="http://schemas.openxmlformats.org/drawingml/2006/main" xmlns:r="http://schemas.openxmlformats.org/officeDocument/2006/relationships" xmlns:p="http://schemas.openxmlformats.org/presentationml/2006/main">
+  <p:cSld>
+    <p:spTree>
+      <p:nvGrpSpPr>
+        <p:cNvPr id="1" name=""/>
+        <p:cNvGrpSpPr/>
+        <p:nvPr/>
+      </p:nvGrpSpPr>
+      <p:grpSpPr>
+        <a:xfrm>
+          <a:off x="0" y="0"/>
+          <a:ext cx="0" cy="0"/>
+          <a:chOff x="0" y="0"/>
+          <a:chExt cx="0" cy="0"/>
+        </a:xfrm>
+      </p:grpSpPr>
+      <p:pic>
+        <p:nvPicPr>
+          <p:cNvPr id="3" name="그림 2"/>
+          <p:cNvPicPr>
+            <a:picLocks noChangeAspect="1"/>
+          </p:cNvPicPr>
+          <p:nvPr/>
+        </p:nvPicPr>
+        <p:blipFill>
+          <a:blip r:embed="rId2"/>
+          <a:stretch>
+            <a:fillRect/>
+          </a:stretch>
+        </p:blipFill>
+        <p:spPr>
+          <a:xfrm>
+            <a:off x="1118033" y="755598"/>
+            <a:ext cx="2826432" cy="2991944"/>
+          </a:xfrm>
+          <a:prstGeom prst="rect">
+            <a:avLst/>
+          </a:prstGeom>
+        </p:spPr>
+      </p:pic>
+      <p:pic>
+        <p:nvPicPr>
+          <p:cNvPr id="4" name="그림 3"/>
+          <p:cNvPicPr>
+            <a:picLocks noChangeAspect="1"/>
+          </p:cNvPicPr>
+          <p:nvPr/>
+        </p:nvPicPr>
+        <p:blipFill>
+          <a:blip r:embed="rId3"/>
+          <a:stretch>
+            <a:fillRect/>
+          </a:stretch>
+        </p:blipFill>
+        <p:spPr>
+          <a:xfrm>
+            <a:off x="4588745" y="757764"/>
+            <a:ext cx="3150752" cy="2914826"/>
+          </a:xfrm>
+          <a:prstGeom prst="rect">
+            <a:avLst/>
+          </a:prstGeom>
+        </p:spPr>
+      </p:pic>
+      <p:pic>
+        <p:nvPicPr>
+          <p:cNvPr id="6" name="그림 5"/>
+          <p:cNvPicPr>
+            <a:picLocks noChangeAspect="1"/>
+          </p:cNvPicPr>
+          <p:nvPr/>
+        </p:nvPicPr>
+        <p:blipFill>
+          <a:blip r:embed="rId4"/>
+          <a:stretch>
+            <a:fillRect/>
+          </a:stretch>
+        </p:blipFill>
+        <p:spPr>
+          <a:xfrm>
+            <a:off x="8499423" y="1098383"/>
+            <a:ext cx="2906713" cy="408873"/>
+          </a:xfrm>
+          <a:prstGeom prst="rect">
+            <a:avLst/>
+          </a:prstGeom>
+        </p:spPr>
+      </p:pic>
+      <p:sp>
+        <p:nvSpPr>
+          <p:cNvPr id="7" name="TextBox 6"/>
+          <p:cNvSpPr txBox="1"/>
+          <p:nvPr/>
+        </p:nvSpPr>
+        <p:spPr>
+          <a:xfrm>
+            <a:off x="3770027" y="4332157"/>
+            <a:ext cx="1680268" cy="369332"/>
+          </a:xfrm>
+          <a:prstGeom prst="rect">
+            <a:avLst/>
+          </a:prstGeom>
+          <a:noFill/>
+        </p:spPr>
+        <p:txBody>
+          <a:bodyPr wrap="none" rtlCol="0">
+            <a:spAutoFit/>
+          </a:bodyPr>
+          <a:lstStyle/>
+          <a:p>
+            <a:r>
+              <a:rPr lang="en-US" altLang="ko-KR" dirty="0" smtClean="0"/>
+              <a:t>1. </a:t>
+            </a:r>
+            <a:r>
+              <a:rPr lang="ko-KR" altLang="en-US" dirty="0" smtClean="0"/>
+              <a:t>디자인 정리</a:t>
+            </a:r>
+            <a:endParaRPr lang="ko-KR" altLang="en-US" dirty="0"/>
+          </a:p>
+        </p:txBody>
+      </p:sp>
+      <p:sp>
+        <p:nvSpPr>
+          <p:cNvPr id="13" name="TextBox 12"/>
+          <p:cNvSpPr txBox="1"/>
+          <p:nvPr/>
+        </p:nvSpPr>
+        <p:spPr>
+          <a:xfrm>
+            <a:off x="9611193" y="2415914"/>
+            <a:ext cx="2141933" cy="369332"/>
+          </a:xfrm>
+          <a:prstGeom prst="rect">
+            <a:avLst/>
+          </a:prstGeom>
+          <a:noFill/>
+        </p:spPr>
+        <p:txBody>
+          <a:bodyPr wrap="none" rtlCol="0">
+            <a:spAutoFit/>
+          </a:bodyPr>
+          <a:lstStyle/>
+          <a:p>
+            <a:r>
+              <a:rPr lang="en-US" altLang="ko-KR" dirty="0" smtClean="0"/>
+              <a:t>2. </a:t>
+            </a:r>
+            <a:r>
+              <a:rPr lang="ko-KR" altLang="en-US" dirty="0" smtClean="0"/>
+              <a:t>애니메이션 처리</a:t>
+            </a:r>
+            <a:endParaRPr lang="ko-KR" altLang="en-US" dirty="0"/>
+          </a:p>
+        </p:txBody>
+      </p:sp>
+      <p:cxnSp>
+        <p:nvCxnSpPr>
+          <p:cNvPr id="9" name="직선 화살표 연결선 8"/>
+          <p:cNvCxnSpPr/>
+          <p:nvPr/>
+        </p:nvCxnSpPr>
+        <p:spPr>
+          <a:xfrm flipV="1">
+            <a:off x="10658007" y="1543987"/>
+            <a:ext cx="0" cy="697043"/>
+          </a:xfrm>
+          <a:prstGeom prst="straightConnector1">
+            <a:avLst/>
+          </a:prstGeom>
+          <a:ln>
+            <a:tailEnd type="triangle"/>
+          </a:ln>
+        </p:spPr>
+        <p:style>
+          <a:lnRef idx="1">
+            <a:schemeClr val="accent1"/>
+          </a:lnRef>
+          <a:fillRef idx="0">
+            <a:schemeClr val="accent1"/>
+          </a:fillRef>
+          <a:effectRef idx="0">
+            <a:schemeClr val="accent1"/>
+          </a:effectRef>
+          <a:fontRef idx="minor">
+            <a:schemeClr val="tx1"/>
+          </a:fontRef>
+        </p:style>
+      </p:cxnSp>
+      <p:cxnSp>
+        <p:nvCxnSpPr>
+          <p:cNvPr id="15" name="직선 화살표 연결선 14"/>
+          <p:cNvCxnSpPr/>
+          <p:nvPr/>
+        </p:nvCxnSpPr>
+        <p:spPr>
+          <a:xfrm flipH="1" flipV="1">
+            <a:off x="3672590" y="3904938"/>
+            <a:ext cx="517161" cy="277318"/>
+          </a:xfrm>
+          <a:prstGeom prst="straightConnector1">
+            <a:avLst/>
+          </a:prstGeom>
+          <a:ln>
+            <a:tailEnd type="triangle"/>
+          </a:ln>
+        </p:spPr>
+        <p:style>
+          <a:lnRef idx="1">
+            <a:schemeClr val="accent1"/>
+          </a:lnRef>
+          <a:fillRef idx="0">
+            <a:schemeClr val="accent1"/>
+          </a:fillRef>
+          <a:effectRef idx="0">
+            <a:schemeClr val="accent1"/>
+          </a:effectRef>
+          <a:fontRef idx="minor">
+            <a:schemeClr val="tx1"/>
+          </a:fontRef>
+        </p:style>
+      </p:cxnSp>
+      <p:cxnSp>
+        <p:nvCxnSpPr>
+          <p:cNvPr id="17" name="직선 화살표 연결선 16"/>
+          <p:cNvCxnSpPr/>
+          <p:nvPr/>
+        </p:nvCxnSpPr>
+        <p:spPr>
+          <a:xfrm flipV="1">
+            <a:off x="4459574" y="3882452"/>
+            <a:ext cx="494675" cy="299804"/>
+          </a:xfrm>
+          <a:prstGeom prst="straightConnector1">
+            <a:avLst/>
+          </a:prstGeom>
+          <a:ln>
+            <a:tailEnd type="triangle"/>
+          </a:ln>
+        </p:spPr>
+        <p:style>
+          <a:lnRef idx="1">
+            <a:schemeClr val="accent1"/>
+          </a:lnRef>
+          <a:fillRef idx="0">
+            <a:schemeClr val="accent1"/>
+          </a:fillRef>
+          <a:effectRef idx="0">
+            <a:schemeClr val="accent1"/>
+          </a:effectRef>
+          <a:fontRef idx="minor">
+            <a:schemeClr val="tx1"/>
+          </a:fontRef>
+        </p:style>
+      </p:cxnSp>
+      <p:sp>
+        <p:nvSpPr>
+          <p:cNvPr id="18" name="TextBox 17"/>
+          <p:cNvSpPr txBox="1"/>
+          <p:nvPr/>
+        </p:nvSpPr>
+        <p:spPr>
+          <a:xfrm>
+            <a:off x="5426439" y="5838669"/>
+            <a:ext cx="1367682" cy="369332"/>
+          </a:xfrm>
+          <a:prstGeom prst="rect">
+            <a:avLst/>
+          </a:prstGeom>
+          <a:noFill/>
+        </p:spPr>
+        <p:txBody>
+          <a:bodyPr wrap="none" rtlCol="0">
+            <a:spAutoFit/>
+          </a:bodyPr>
+          <a:lstStyle/>
+          <a:p>
+            <a:r>
+              <a:rPr lang="en-US" altLang="ko-KR" dirty="0" smtClean="0"/>
+              <a:t>3. </a:t>
+            </a:r>
+            <a:r>
+              <a:rPr lang="ko-KR" altLang="en-US" dirty="0" smtClean="0"/>
+              <a:t>통합검색</a:t>
+            </a:r>
+            <a:endParaRPr lang="ko-KR" altLang="en-US" dirty="0"/>
+          </a:p>
+        </p:txBody>
+      </p:sp>
+    </p:spTree>
+    <p:extLst>
+      <p:ext uri="{BB962C8B-B14F-4D97-AF65-F5344CB8AC3E}">
+        <p14:creationId xmlns:p14="http://schemas.microsoft.com/office/powerpoint/2010/main" val="934221172"/>
+      </p:ext>
+    </p:extLst>
+  </p:cSld>
+  <p:clrMapOvr>
+    <a:masterClrMapping/>
+  </p:clrMapOvr>
+</p:sld>
+</file>
+
 <file path=ppt/theme/theme1.xml><?xml version="1.0" encoding="utf-8"?>
 <a:theme xmlns:a="http://schemas.openxmlformats.org/drawingml/2006/main" name="Office 테마">
   <a:themeElements>
